--- a/BVD Decals.pptx
+++ b/BVD Decals.pptx
@@ -288,7 +288,7 @@
           <a:p>
             <a:fld id="{AFF9CC5F-D3F2-4A32-A44D-A5493D306DE8}" type="datetimeFigureOut">
               <a:rPr lang="en-US" smtClean="0"/>
-              <a:t>1/2/2021</a:t>
+              <a:t>1/8/2021</a:t>
             </a:fld>
             <a:endParaRPr lang="en-US"/>
           </a:p>
@@ -458,7 +458,7 @@
           <a:p>
             <a:fld id="{AFF9CC5F-D3F2-4A32-A44D-A5493D306DE8}" type="datetimeFigureOut">
               <a:rPr lang="en-US" smtClean="0"/>
-              <a:t>1/2/2021</a:t>
+              <a:t>1/8/2021</a:t>
             </a:fld>
             <a:endParaRPr lang="en-US"/>
           </a:p>
@@ -638,7 +638,7 @@
           <a:p>
             <a:fld id="{AFF9CC5F-D3F2-4A32-A44D-A5493D306DE8}" type="datetimeFigureOut">
               <a:rPr lang="en-US" smtClean="0"/>
-              <a:t>1/2/2021</a:t>
+              <a:t>1/8/2021</a:t>
             </a:fld>
             <a:endParaRPr lang="en-US"/>
           </a:p>
@@ -808,7 +808,7 @@
           <a:p>
             <a:fld id="{AFF9CC5F-D3F2-4A32-A44D-A5493D306DE8}" type="datetimeFigureOut">
               <a:rPr lang="en-US" smtClean="0"/>
-              <a:t>1/2/2021</a:t>
+              <a:t>1/8/2021</a:t>
             </a:fld>
             <a:endParaRPr lang="en-US"/>
           </a:p>
@@ -1054,7 +1054,7 @@
           <a:p>
             <a:fld id="{AFF9CC5F-D3F2-4A32-A44D-A5493D306DE8}" type="datetimeFigureOut">
               <a:rPr lang="en-US" smtClean="0"/>
-              <a:t>1/2/2021</a:t>
+              <a:t>1/8/2021</a:t>
             </a:fld>
             <a:endParaRPr lang="en-US"/>
           </a:p>
@@ -1342,7 +1342,7 @@
           <a:p>
             <a:fld id="{AFF9CC5F-D3F2-4A32-A44D-A5493D306DE8}" type="datetimeFigureOut">
               <a:rPr lang="en-US" smtClean="0"/>
-              <a:t>1/2/2021</a:t>
+              <a:t>1/8/2021</a:t>
             </a:fld>
             <a:endParaRPr lang="en-US"/>
           </a:p>
@@ -1764,7 +1764,7 @@
           <a:p>
             <a:fld id="{AFF9CC5F-D3F2-4A32-A44D-A5493D306DE8}" type="datetimeFigureOut">
               <a:rPr lang="en-US" smtClean="0"/>
-              <a:t>1/2/2021</a:t>
+              <a:t>1/8/2021</a:t>
             </a:fld>
             <a:endParaRPr lang="en-US"/>
           </a:p>
@@ -1882,7 +1882,7 @@
           <a:p>
             <a:fld id="{AFF9CC5F-D3F2-4A32-A44D-A5493D306DE8}" type="datetimeFigureOut">
               <a:rPr lang="en-US" smtClean="0"/>
-              <a:t>1/2/2021</a:t>
+              <a:t>1/8/2021</a:t>
             </a:fld>
             <a:endParaRPr lang="en-US"/>
           </a:p>
@@ -1977,7 +1977,7 @@
           <a:p>
             <a:fld id="{AFF9CC5F-D3F2-4A32-A44D-A5493D306DE8}" type="datetimeFigureOut">
               <a:rPr lang="en-US" smtClean="0"/>
-              <a:t>1/2/2021</a:t>
+              <a:t>1/8/2021</a:t>
             </a:fld>
             <a:endParaRPr lang="en-US"/>
           </a:p>
@@ -2254,7 +2254,7 @@
           <a:p>
             <a:fld id="{AFF9CC5F-D3F2-4A32-A44D-A5493D306DE8}" type="datetimeFigureOut">
               <a:rPr lang="en-US" smtClean="0"/>
-              <a:t>1/2/2021</a:t>
+              <a:t>1/8/2021</a:t>
             </a:fld>
             <a:endParaRPr lang="en-US"/>
           </a:p>
@@ -2507,7 +2507,7 @@
           <a:p>
             <a:fld id="{AFF9CC5F-D3F2-4A32-A44D-A5493D306DE8}" type="datetimeFigureOut">
               <a:rPr lang="en-US" smtClean="0"/>
-              <a:t>1/2/2021</a:t>
+              <a:t>1/8/2021</a:t>
             </a:fld>
             <a:endParaRPr lang="en-US"/>
           </a:p>
@@ -2720,7 +2720,7 @@
           <a:p>
             <a:fld id="{AFF9CC5F-D3F2-4A32-A44D-A5493D306DE8}" type="datetimeFigureOut">
               <a:rPr lang="en-US" smtClean="0"/>
-              <a:t>1/2/2021</a:t>
+              <a:t>1/8/2021</a:t>
             </a:fld>
             <a:endParaRPr lang="en-US"/>
           </a:p>
@@ -20689,6 +20689,1573 @@
           </a:p>
         </p:txBody>
       </p:sp>
+      <p:grpSp>
+        <p:nvGrpSpPr>
+          <p:cNvPr id="111" name="Group 110"/>
+          <p:cNvGrpSpPr>
+            <a:grpSpLocks noChangeAspect="1"/>
+          </p:cNvGrpSpPr>
+          <p:nvPr/>
+        </p:nvGrpSpPr>
+        <p:grpSpPr>
+          <a:xfrm>
+            <a:off x="1772195" y="279400"/>
+            <a:ext cx="1705602" cy="2286000"/>
+            <a:chOff x="319330" y="409826"/>
+            <a:chExt cx="1125697" cy="1508760"/>
+          </a:xfrm>
+        </p:grpSpPr>
+        <p:grpSp>
+          <p:nvGrpSpPr>
+            <p:cNvPr id="112" name="Group 111"/>
+            <p:cNvGrpSpPr/>
+            <p:nvPr/>
+          </p:nvGrpSpPr>
+          <p:grpSpPr>
+            <a:xfrm>
+              <a:off x="319330" y="409826"/>
+              <a:ext cx="1125697" cy="1508760"/>
+              <a:chOff x="319330" y="381000"/>
+              <a:chExt cx="4139637" cy="5548312"/>
+            </a:xfrm>
+          </p:grpSpPr>
+          <p:grpSp>
+            <p:nvGrpSpPr>
+              <p:cNvPr id="120" name="Group 119"/>
+              <p:cNvGrpSpPr/>
+              <p:nvPr/>
+            </p:nvGrpSpPr>
+            <p:grpSpPr>
+              <a:xfrm>
+                <a:off x="319330" y="381000"/>
+                <a:ext cx="760209" cy="5548312"/>
+                <a:chOff x="3938584" y="1204912"/>
+                <a:chExt cx="760209" cy="4724400"/>
+              </a:xfrm>
+            </p:grpSpPr>
+            <p:sp>
+              <p:nvSpPr>
+                <p:cNvPr id="124" name="Rectangle 123"/>
+                <p:cNvSpPr/>
+                <p:nvPr/>
+              </p:nvSpPr>
+              <p:spPr>
+                <a:xfrm>
+                  <a:off x="3938584" y="1204912"/>
+                  <a:ext cx="109728" cy="4724400"/>
+                </a:xfrm>
+                <a:prstGeom prst="rect">
+                  <a:avLst/>
+                </a:prstGeom>
+                <a:solidFill>
+                  <a:schemeClr val="tx1"/>
+                </a:solidFill>
+                <a:ln w="12700">
+                  <a:solidFill>
+                    <a:schemeClr val="bg1"/>
+                  </a:solidFill>
+                </a:ln>
+              </p:spPr>
+              <p:style>
+                <a:lnRef idx="2">
+                  <a:schemeClr val="accent1">
+                    <a:shade val="50000"/>
+                  </a:schemeClr>
+                </a:lnRef>
+                <a:fillRef idx="1">
+                  <a:schemeClr val="accent1"/>
+                </a:fillRef>
+                <a:effectRef idx="0">
+                  <a:schemeClr val="accent1"/>
+                </a:effectRef>
+                <a:fontRef idx="minor">
+                  <a:schemeClr val="lt1"/>
+                </a:fontRef>
+              </p:style>
+              <p:txBody>
+                <a:bodyPr rtlCol="0" anchor="ctr"/>
+                <a:lstStyle/>
+                <a:p>
+                  <a:pPr algn="ctr"/>
+                  <a:endParaRPr lang="en-US"/>
+                </a:p>
+              </p:txBody>
+            </p:sp>
+            <p:sp>
+              <p:nvSpPr>
+                <p:cNvPr id="125" name="Rectangle 124"/>
+                <p:cNvSpPr/>
+                <p:nvPr/>
+              </p:nvSpPr>
+              <p:spPr>
+                <a:xfrm>
+                  <a:off x="4589065" y="1204912"/>
+                  <a:ext cx="109728" cy="4724400"/>
+                </a:xfrm>
+                <a:prstGeom prst="rect">
+                  <a:avLst/>
+                </a:prstGeom>
+                <a:solidFill>
+                  <a:schemeClr val="tx1"/>
+                </a:solidFill>
+                <a:ln w="12700">
+                  <a:solidFill>
+                    <a:schemeClr val="bg1"/>
+                  </a:solidFill>
+                </a:ln>
+              </p:spPr>
+              <p:style>
+                <a:lnRef idx="2">
+                  <a:schemeClr val="accent1">
+                    <a:shade val="50000"/>
+                  </a:schemeClr>
+                </a:lnRef>
+                <a:fillRef idx="1">
+                  <a:schemeClr val="accent1"/>
+                </a:fillRef>
+                <a:effectRef idx="0">
+                  <a:schemeClr val="accent1"/>
+                </a:effectRef>
+                <a:fontRef idx="minor">
+                  <a:schemeClr val="lt1"/>
+                </a:fontRef>
+              </p:style>
+              <p:txBody>
+                <a:bodyPr rtlCol="0" anchor="ctr"/>
+                <a:lstStyle/>
+                <a:p>
+                  <a:pPr algn="ctr"/>
+                  <a:endParaRPr lang="en-US"/>
+                </a:p>
+              </p:txBody>
+            </p:sp>
+            <p:sp>
+              <p:nvSpPr>
+                <p:cNvPr id="126" name="Rectangle 125"/>
+                <p:cNvSpPr/>
+                <p:nvPr/>
+              </p:nvSpPr>
+              <p:spPr>
+                <a:xfrm>
+                  <a:off x="4068680" y="1204912"/>
+                  <a:ext cx="109728" cy="4724400"/>
+                </a:xfrm>
+                <a:prstGeom prst="rect">
+                  <a:avLst/>
+                </a:prstGeom>
+                <a:solidFill>
+                  <a:schemeClr val="tx1"/>
+                </a:solidFill>
+                <a:ln w="12700">
+                  <a:solidFill>
+                    <a:schemeClr val="bg1"/>
+                  </a:solidFill>
+                </a:ln>
+              </p:spPr>
+              <p:style>
+                <a:lnRef idx="2">
+                  <a:schemeClr val="accent1">
+                    <a:shade val="50000"/>
+                  </a:schemeClr>
+                </a:lnRef>
+                <a:fillRef idx="1">
+                  <a:schemeClr val="accent1"/>
+                </a:fillRef>
+                <a:effectRef idx="0">
+                  <a:schemeClr val="accent1"/>
+                </a:effectRef>
+                <a:fontRef idx="minor">
+                  <a:schemeClr val="lt1"/>
+                </a:fontRef>
+              </p:style>
+              <p:txBody>
+                <a:bodyPr rtlCol="0" anchor="ctr"/>
+                <a:lstStyle/>
+                <a:p>
+                  <a:pPr algn="ctr"/>
+                  <a:endParaRPr lang="en-US"/>
+                </a:p>
+              </p:txBody>
+            </p:sp>
+            <p:sp>
+              <p:nvSpPr>
+                <p:cNvPr id="127" name="Rectangle 126"/>
+                <p:cNvSpPr/>
+                <p:nvPr/>
+              </p:nvSpPr>
+              <p:spPr>
+                <a:xfrm>
+                  <a:off x="4328872" y="1204912"/>
+                  <a:ext cx="109728" cy="4724400"/>
+                </a:xfrm>
+                <a:prstGeom prst="rect">
+                  <a:avLst/>
+                </a:prstGeom>
+                <a:solidFill>
+                  <a:schemeClr val="tx1"/>
+                </a:solidFill>
+                <a:ln w="12700">
+                  <a:solidFill>
+                    <a:schemeClr val="bg1"/>
+                  </a:solidFill>
+                </a:ln>
+              </p:spPr>
+              <p:style>
+                <a:lnRef idx="2">
+                  <a:schemeClr val="accent1">
+                    <a:shade val="50000"/>
+                  </a:schemeClr>
+                </a:lnRef>
+                <a:fillRef idx="1">
+                  <a:schemeClr val="accent1"/>
+                </a:fillRef>
+                <a:effectRef idx="0">
+                  <a:schemeClr val="accent1"/>
+                </a:effectRef>
+                <a:fontRef idx="minor">
+                  <a:schemeClr val="lt1"/>
+                </a:fontRef>
+              </p:style>
+              <p:txBody>
+                <a:bodyPr rtlCol="0" anchor="ctr"/>
+                <a:lstStyle/>
+                <a:p>
+                  <a:pPr algn="ctr"/>
+                  <a:endParaRPr lang="en-US"/>
+                </a:p>
+              </p:txBody>
+            </p:sp>
+            <p:sp>
+              <p:nvSpPr>
+                <p:cNvPr id="128" name="Rectangle 127"/>
+                <p:cNvSpPr/>
+                <p:nvPr/>
+              </p:nvSpPr>
+              <p:spPr>
+                <a:xfrm>
+                  <a:off x="4198776" y="1204912"/>
+                  <a:ext cx="109728" cy="4724400"/>
+                </a:xfrm>
+                <a:prstGeom prst="rect">
+                  <a:avLst/>
+                </a:prstGeom>
+                <a:solidFill>
+                  <a:schemeClr val="tx1"/>
+                </a:solidFill>
+                <a:ln w="12700">
+                  <a:solidFill>
+                    <a:schemeClr val="bg1"/>
+                  </a:solidFill>
+                </a:ln>
+              </p:spPr>
+              <p:style>
+                <a:lnRef idx="2">
+                  <a:schemeClr val="accent1">
+                    <a:shade val="50000"/>
+                  </a:schemeClr>
+                </a:lnRef>
+                <a:fillRef idx="1">
+                  <a:schemeClr val="accent1"/>
+                </a:fillRef>
+                <a:effectRef idx="0">
+                  <a:schemeClr val="accent1"/>
+                </a:effectRef>
+                <a:fontRef idx="minor">
+                  <a:schemeClr val="lt1"/>
+                </a:fontRef>
+              </p:style>
+              <p:txBody>
+                <a:bodyPr rtlCol="0" anchor="ctr"/>
+                <a:lstStyle/>
+                <a:p>
+                  <a:pPr algn="ctr"/>
+                  <a:endParaRPr lang="en-US"/>
+                </a:p>
+              </p:txBody>
+            </p:sp>
+            <p:sp>
+              <p:nvSpPr>
+                <p:cNvPr id="129" name="Rectangle 128"/>
+                <p:cNvSpPr/>
+                <p:nvPr/>
+              </p:nvSpPr>
+              <p:spPr>
+                <a:xfrm>
+                  <a:off x="4458967" y="1204912"/>
+                  <a:ext cx="109728" cy="4724400"/>
+                </a:xfrm>
+                <a:prstGeom prst="rect">
+                  <a:avLst/>
+                </a:prstGeom>
+                <a:solidFill>
+                  <a:schemeClr val="tx1"/>
+                </a:solidFill>
+                <a:ln w="12700">
+                  <a:solidFill>
+                    <a:schemeClr val="bg1"/>
+                  </a:solidFill>
+                </a:ln>
+              </p:spPr>
+              <p:style>
+                <a:lnRef idx="2">
+                  <a:schemeClr val="accent1">
+                    <a:shade val="50000"/>
+                  </a:schemeClr>
+                </a:lnRef>
+                <a:fillRef idx="1">
+                  <a:schemeClr val="accent1"/>
+                </a:fillRef>
+                <a:effectRef idx="0">
+                  <a:schemeClr val="accent1"/>
+                </a:effectRef>
+                <a:fontRef idx="minor">
+                  <a:schemeClr val="lt1"/>
+                </a:fontRef>
+              </p:style>
+              <p:txBody>
+                <a:bodyPr rtlCol="0" anchor="ctr"/>
+                <a:lstStyle/>
+                <a:p>
+                  <a:pPr algn="ctr"/>
+                  <a:endParaRPr lang="en-US"/>
+                </a:p>
+              </p:txBody>
+            </p:sp>
+          </p:grpSp>
+          <p:grpSp>
+            <p:nvGrpSpPr>
+              <p:cNvPr id="121" name="Group 120"/>
+              <p:cNvGrpSpPr/>
+              <p:nvPr/>
+            </p:nvGrpSpPr>
+            <p:grpSpPr>
+              <a:xfrm>
+                <a:off x="559154" y="479767"/>
+                <a:ext cx="3899813" cy="1666874"/>
+                <a:chOff x="559154" y="479767"/>
+                <a:chExt cx="3899813" cy="1666874"/>
+              </a:xfrm>
+            </p:grpSpPr>
+            <p:sp>
+              <p:nvSpPr>
+                <p:cNvPr id="122" name="Trapezoid 4"/>
+                <p:cNvSpPr/>
+                <p:nvPr/>
+              </p:nvSpPr>
+              <p:spPr>
+                <a:xfrm>
+                  <a:off x="559154" y="479767"/>
+                  <a:ext cx="3899813" cy="1666874"/>
+                </a:xfrm>
+                <a:custGeom>
+                  <a:avLst/>
+                  <a:gdLst>
+                    <a:gd name="connsiteX0" fmla="*/ 0 w 1828800"/>
+                    <a:gd name="connsiteY0" fmla="*/ 1066800 h 1066800"/>
+                    <a:gd name="connsiteX1" fmla="*/ 266700 w 1828800"/>
+                    <a:gd name="connsiteY1" fmla="*/ 0 h 1066800"/>
+                    <a:gd name="connsiteX2" fmla="*/ 1562100 w 1828800"/>
+                    <a:gd name="connsiteY2" fmla="*/ 0 h 1066800"/>
+                    <a:gd name="connsiteX3" fmla="*/ 1828800 w 1828800"/>
+                    <a:gd name="connsiteY3" fmla="*/ 1066800 h 1066800"/>
+                    <a:gd name="connsiteX4" fmla="*/ 0 w 1828800"/>
+                    <a:gd name="connsiteY4" fmla="*/ 1066800 h 1066800"/>
+                    <a:gd name="connsiteX0" fmla="*/ 2847975 w 4676775"/>
+                    <a:gd name="connsiteY0" fmla="*/ 4167187 h 4167187"/>
+                    <a:gd name="connsiteX1" fmla="*/ 0 w 4676775"/>
+                    <a:gd name="connsiteY1" fmla="*/ 0 h 4167187"/>
+                    <a:gd name="connsiteX2" fmla="*/ 4410075 w 4676775"/>
+                    <a:gd name="connsiteY2" fmla="*/ 3100387 h 4167187"/>
+                    <a:gd name="connsiteX3" fmla="*/ 4676775 w 4676775"/>
+                    <a:gd name="connsiteY3" fmla="*/ 4167187 h 4167187"/>
+                    <a:gd name="connsiteX4" fmla="*/ 2847975 w 4676775"/>
+                    <a:gd name="connsiteY4" fmla="*/ 4167187 h 4167187"/>
+                    <a:gd name="connsiteX0" fmla="*/ 2847975 w 4676775"/>
+                    <a:gd name="connsiteY0" fmla="*/ 4381500 h 4381500"/>
+                    <a:gd name="connsiteX1" fmla="*/ 0 w 4676775"/>
+                    <a:gd name="connsiteY1" fmla="*/ 214313 h 4381500"/>
+                    <a:gd name="connsiteX2" fmla="*/ 3838575 w 4676775"/>
+                    <a:gd name="connsiteY2" fmla="*/ 0 h 4381500"/>
+                    <a:gd name="connsiteX3" fmla="*/ 4676775 w 4676775"/>
+                    <a:gd name="connsiteY3" fmla="*/ 4381500 h 4381500"/>
+                    <a:gd name="connsiteX4" fmla="*/ 2847975 w 4676775"/>
+                    <a:gd name="connsiteY4" fmla="*/ 4381500 h 4381500"/>
+                    <a:gd name="connsiteX0" fmla="*/ 204787 w 4676775"/>
+                    <a:gd name="connsiteY0" fmla="*/ 1652587 h 4381500"/>
+                    <a:gd name="connsiteX1" fmla="*/ 0 w 4676775"/>
+                    <a:gd name="connsiteY1" fmla="*/ 214313 h 4381500"/>
+                    <a:gd name="connsiteX2" fmla="*/ 3838575 w 4676775"/>
+                    <a:gd name="connsiteY2" fmla="*/ 0 h 4381500"/>
+                    <a:gd name="connsiteX3" fmla="*/ 4676775 w 4676775"/>
+                    <a:gd name="connsiteY3" fmla="*/ 4381500 h 4381500"/>
+                    <a:gd name="connsiteX4" fmla="*/ 204787 w 4676775"/>
+                    <a:gd name="connsiteY4" fmla="*/ 1652587 h 4381500"/>
+                    <a:gd name="connsiteX0" fmla="*/ 204787 w 3838575"/>
+                    <a:gd name="connsiteY0" fmla="*/ 1652587 h 1652587"/>
+                    <a:gd name="connsiteX1" fmla="*/ 0 w 3838575"/>
+                    <a:gd name="connsiteY1" fmla="*/ 214313 h 1652587"/>
+                    <a:gd name="connsiteX2" fmla="*/ 3838575 w 3838575"/>
+                    <a:gd name="connsiteY2" fmla="*/ 0 h 1652587"/>
+                    <a:gd name="connsiteX3" fmla="*/ 3462338 w 3838575"/>
+                    <a:gd name="connsiteY3" fmla="*/ 1309687 h 1652587"/>
+                    <a:gd name="connsiteX4" fmla="*/ 204787 w 3838575"/>
+                    <a:gd name="connsiteY4" fmla="*/ 1652587 h 1652587"/>
+                    <a:gd name="connsiteX0" fmla="*/ 204787 w 3838575"/>
+                    <a:gd name="connsiteY0" fmla="*/ 1652587 h 1666874"/>
+                    <a:gd name="connsiteX1" fmla="*/ 0 w 3838575"/>
+                    <a:gd name="connsiteY1" fmla="*/ 214313 h 1666874"/>
+                    <a:gd name="connsiteX2" fmla="*/ 3838575 w 3838575"/>
+                    <a:gd name="connsiteY2" fmla="*/ 0 h 1666874"/>
+                    <a:gd name="connsiteX3" fmla="*/ 3433763 w 3838575"/>
+                    <a:gd name="connsiteY3" fmla="*/ 1666874 h 1666874"/>
+                    <a:gd name="connsiteX4" fmla="*/ 204787 w 3838575"/>
+                    <a:gd name="connsiteY4" fmla="*/ 1652587 h 1666874"/>
+                  </a:gdLst>
+                  <a:ahLst/>
+                  <a:cxnLst>
+                    <a:cxn ang="0">
+                      <a:pos x="connsiteX0" y="connsiteY0"/>
+                    </a:cxn>
+                    <a:cxn ang="0">
+                      <a:pos x="connsiteX1" y="connsiteY1"/>
+                    </a:cxn>
+                    <a:cxn ang="0">
+                      <a:pos x="connsiteX2" y="connsiteY2"/>
+                    </a:cxn>
+                    <a:cxn ang="0">
+                      <a:pos x="connsiteX3" y="connsiteY3"/>
+                    </a:cxn>
+                    <a:cxn ang="0">
+                      <a:pos x="connsiteX4" y="connsiteY4"/>
+                    </a:cxn>
+                  </a:cxnLst>
+                  <a:rect l="l" t="t" r="r" b="b"/>
+                  <a:pathLst>
+                    <a:path w="3838575" h="1666874">
+                      <a:moveTo>
+                        <a:pt x="204787" y="1652587"/>
+                      </a:moveTo>
+                      <a:lnTo>
+                        <a:pt x="0" y="214313"/>
+                      </a:lnTo>
+                      <a:lnTo>
+                        <a:pt x="3838575" y="0"/>
+                      </a:lnTo>
+                      <a:lnTo>
+                        <a:pt x="3433763" y="1666874"/>
+                      </a:lnTo>
+                      <a:lnTo>
+                        <a:pt x="204787" y="1652587"/>
+                      </a:lnTo>
+                      <a:close/>
+                    </a:path>
+                  </a:pathLst>
+                </a:custGeom>
+                <a:solidFill>
+                  <a:srgbClr val="E99BB5"/>
+                </a:solidFill>
+                <a:ln w="15875">
+                  <a:solidFill>
+                    <a:schemeClr val="tx1"/>
+                  </a:solidFill>
+                </a:ln>
+              </p:spPr>
+              <p:style>
+                <a:lnRef idx="2">
+                  <a:schemeClr val="accent1">
+                    <a:shade val="50000"/>
+                  </a:schemeClr>
+                </a:lnRef>
+                <a:fillRef idx="1">
+                  <a:schemeClr val="accent1"/>
+                </a:fillRef>
+                <a:effectRef idx="0">
+                  <a:schemeClr val="accent1"/>
+                </a:effectRef>
+                <a:fontRef idx="minor">
+                  <a:schemeClr val="lt1"/>
+                </a:fontRef>
+              </p:style>
+              <p:txBody>
+                <a:bodyPr rtlCol="0" anchor="ctr"/>
+                <a:lstStyle/>
+                <a:p>
+                  <a:pPr algn="ctr"/>
+                  <a:endParaRPr lang="en-US"/>
+                </a:p>
+              </p:txBody>
+            </p:sp>
+            <p:pic>
+              <p:nvPicPr>
+                <p:cNvPr id="123" name="Picture 122"/>
+                <p:cNvPicPr>
+                  <a:picLocks noChangeAspect="1"/>
+                </p:cNvPicPr>
+                <p:nvPr/>
+              </p:nvPicPr>
+              <p:blipFill>
+                <a:blip r:embed="rId2" cstate="print">
+                  <a:extLst>
+                    <a:ext uri="{28A0092B-C50C-407E-A947-70E740481C1C}">
+                      <a14:useLocalDpi xmlns:a14="http://schemas.microsoft.com/office/drawing/2010/main" val="0"/>
+                    </a:ext>
+                  </a:extLst>
+                </a:blip>
+                <a:stretch>
+                  <a:fillRect/>
+                </a:stretch>
+              </p:blipFill>
+              <p:spPr>
+                <a:xfrm>
+                  <a:off x="723906" y="643431"/>
+                  <a:ext cx="3481382" cy="1456832"/>
+                </a:xfrm>
+                <a:prstGeom prst="rect">
+                  <a:avLst/>
+                </a:prstGeom>
+              </p:spPr>
+            </p:pic>
+          </p:grpSp>
+        </p:grpSp>
+        <p:grpSp>
+          <p:nvGrpSpPr>
+            <p:cNvPr id="113" name="Group 112"/>
+            <p:cNvGrpSpPr/>
+            <p:nvPr/>
+          </p:nvGrpSpPr>
+          <p:grpSpPr>
+            <a:xfrm>
+              <a:off x="507458" y="1159402"/>
+              <a:ext cx="609600" cy="259045"/>
+              <a:chOff x="507458" y="1159402"/>
+              <a:chExt cx="609600" cy="259045"/>
+            </a:xfrm>
+          </p:grpSpPr>
+          <p:sp>
+            <p:nvSpPr>
+              <p:cNvPr id="117" name="TextBox 116"/>
+              <p:cNvSpPr txBox="1"/>
+              <p:nvPr/>
+            </p:nvSpPr>
+            <p:spPr>
+              <a:xfrm>
+                <a:off x="516982" y="1159402"/>
+                <a:ext cx="590552" cy="259045"/>
+              </a:xfrm>
+              <a:prstGeom prst="rect">
+                <a:avLst/>
+              </a:prstGeom>
+              <a:solidFill>
+                <a:schemeClr val="bg1"/>
+              </a:solidFill>
+              <a:ln w="25400">
+                <a:solidFill>
+                  <a:schemeClr val="tx1"/>
+                </a:solidFill>
+              </a:ln>
+            </p:spPr>
+            <p:txBody>
+              <a:bodyPr wrap="square" rtlCol="0">
+                <a:spAutoFit/>
+              </a:bodyPr>
+              <a:lstStyle/>
+              <a:p>
+                <a:pPr algn="ctr">
+                  <a:lnSpc>
+                    <a:spcPts val="50"/>
+                  </a:lnSpc>
+                  <a:spcBef>
+                    <a:spcPts val="500"/>
+                  </a:spcBef>
+                </a:pPr>
+                <a:endParaRPr lang="en-US" sz="440" dirty="0" smtClean="0">
+                  <a:latin typeface="Arial" panose="020B0604020202020204" pitchFamily="34" charset="0"/>
+                  <a:cs typeface="Arial" panose="020B0604020202020204" pitchFamily="34" charset="0"/>
+                </a:endParaRPr>
+              </a:p>
+              <a:p>
+                <a:pPr algn="ctr">
+                  <a:lnSpc>
+                    <a:spcPts val="50"/>
+                  </a:lnSpc>
+                  <a:spcBef>
+                    <a:spcPts val="500"/>
+                  </a:spcBef>
+                </a:pPr>
+                <a:endParaRPr lang="en-US" sz="440" dirty="0">
+                  <a:latin typeface="Arial" panose="020B0604020202020204" pitchFamily="34" charset="0"/>
+                  <a:cs typeface="Arial" panose="020B0604020202020204" pitchFamily="34" charset="0"/>
+                </a:endParaRPr>
+              </a:p>
+              <a:p>
+                <a:pPr algn="ctr">
+                  <a:lnSpc>
+                    <a:spcPts val="50"/>
+                  </a:lnSpc>
+                  <a:spcBef>
+                    <a:spcPts val="500"/>
+                  </a:spcBef>
+                </a:pPr>
+                <a:endParaRPr lang="en-US" sz="440" dirty="0">
+                  <a:latin typeface="Arial" panose="020B0604020202020204" pitchFamily="34" charset="0"/>
+                  <a:cs typeface="Arial" panose="020B0604020202020204" pitchFamily="34" charset="0"/>
+                </a:endParaRPr>
+              </a:p>
+            </p:txBody>
+          </p:sp>
+          <p:sp>
+            <p:nvSpPr>
+              <p:cNvPr id="118" name="TextBox 117"/>
+              <p:cNvSpPr txBox="1"/>
+              <p:nvPr/>
+            </p:nvSpPr>
+            <p:spPr>
+              <a:xfrm>
+                <a:off x="507458" y="1178262"/>
+                <a:ext cx="609600" cy="127973"/>
+              </a:xfrm>
+              <a:prstGeom prst="rect">
+                <a:avLst/>
+              </a:prstGeom>
+              <a:noFill/>
+            </p:spPr>
+            <p:txBody>
+              <a:bodyPr wrap="square" rtlCol="0">
+                <a:spAutoFit/>
+              </a:bodyPr>
+              <a:lstStyle/>
+              <a:p>
+                <a:pPr algn="ctr"/>
+                <a:r>
+                  <a:rPr lang="en-US" sz="660" b="1" dirty="0" smtClean="0">
+                    <a:latin typeface="Arial" panose="020B0604020202020204" pitchFamily="34" charset="0"/>
+                    <a:cs typeface="Arial" panose="020B0604020202020204" pitchFamily="34" charset="0"/>
+                  </a:rPr>
+                  <a:t>COLOR TV</a:t>
+                </a:r>
+                <a:endParaRPr lang="en-US" sz="660" b="1" dirty="0">
+                  <a:latin typeface="Arial" panose="020B0604020202020204" pitchFamily="34" charset="0"/>
+                  <a:cs typeface="Arial" panose="020B0604020202020204" pitchFamily="34" charset="0"/>
+                </a:endParaRPr>
+              </a:p>
+            </p:txBody>
+          </p:sp>
+          <p:sp>
+            <p:nvSpPr>
+              <p:cNvPr id="119" name="TextBox 118"/>
+              <p:cNvSpPr txBox="1"/>
+              <p:nvPr/>
+            </p:nvSpPr>
+            <p:spPr>
+              <a:xfrm>
+                <a:off x="507458" y="1259054"/>
+                <a:ext cx="609600" cy="127973"/>
+              </a:xfrm>
+              <a:prstGeom prst="rect">
+                <a:avLst/>
+              </a:prstGeom>
+              <a:noFill/>
+            </p:spPr>
+            <p:txBody>
+              <a:bodyPr wrap="square" rtlCol="0">
+                <a:spAutoFit/>
+              </a:bodyPr>
+              <a:lstStyle/>
+              <a:p>
+                <a:pPr algn="ctr"/>
+                <a:r>
+                  <a:rPr lang="en-US" sz="660" b="1" dirty="0" smtClean="0">
+                    <a:latin typeface="Arial" panose="020B0604020202020204" pitchFamily="34" charset="0"/>
+                    <a:cs typeface="Arial" panose="020B0604020202020204" pitchFamily="34" charset="0"/>
+                  </a:rPr>
+                  <a:t>ROOM PHONE</a:t>
+                </a:r>
+                <a:endParaRPr lang="en-US" sz="660" b="1" dirty="0">
+                  <a:latin typeface="Arial" panose="020B0604020202020204" pitchFamily="34" charset="0"/>
+                  <a:cs typeface="Arial" panose="020B0604020202020204" pitchFamily="34" charset="0"/>
+                </a:endParaRPr>
+              </a:p>
+            </p:txBody>
+          </p:sp>
+        </p:grpSp>
+        <p:grpSp>
+          <p:nvGrpSpPr>
+            <p:cNvPr id="114" name="Group 113"/>
+            <p:cNvGrpSpPr/>
+            <p:nvPr/>
+          </p:nvGrpSpPr>
+          <p:grpSpPr>
+            <a:xfrm>
+              <a:off x="437985" y="929421"/>
+              <a:ext cx="644522" cy="129613"/>
+              <a:chOff x="437985" y="929421"/>
+              <a:chExt cx="644522" cy="129613"/>
+            </a:xfrm>
+          </p:grpSpPr>
+          <p:sp>
+            <p:nvSpPr>
+              <p:cNvPr id="115" name="Flowchart: Terminator 114"/>
+              <p:cNvSpPr/>
+              <p:nvPr/>
+            </p:nvSpPr>
+            <p:spPr>
+              <a:xfrm>
+                <a:off x="447566" y="934707"/>
+                <a:ext cx="631651" cy="124327"/>
+              </a:xfrm>
+              <a:prstGeom prst="flowChartTerminator">
+                <a:avLst/>
+              </a:prstGeom>
+              <a:solidFill>
+                <a:schemeClr val="bg1"/>
+              </a:solidFill>
+              <a:ln>
+                <a:solidFill>
+                  <a:schemeClr val="tx1"/>
+                </a:solidFill>
+              </a:ln>
+            </p:spPr>
+            <p:style>
+              <a:lnRef idx="2">
+                <a:schemeClr val="accent1">
+                  <a:shade val="50000"/>
+                </a:schemeClr>
+              </a:lnRef>
+              <a:fillRef idx="1">
+                <a:schemeClr val="accent1"/>
+              </a:fillRef>
+              <a:effectRef idx="0">
+                <a:schemeClr val="accent1"/>
+              </a:effectRef>
+              <a:fontRef idx="minor">
+                <a:schemeClr val="lt1"/>
+              </a:fontRef>
+            </p:style>
+            <p:txBody>
+              <a:bodyPr rtlCol="0" anchor="ctr"/>
+              <a:lstStyle/>
+              <a:p>
+                <a:pPr algn="ctr"/>
+                <a:endParaRPr lang="en-US" dirty="0"/>
+              </a:p>
+            </p:txBody>
+          </p:sp>
+          <p:sp>
+            <p:nvSpPr>
+              <p:cNvPr id="116" name="Rectangle 115"/>
+              <p:cNvSpPr/>
+              <p:nvPr/>
+            </p:nvSpPr>
+            <p:spPr>
+              <a:xfrm>
+                <a:off x="437985" y="929421"/>
+                <a:ext cx="644522" cy="127973"/>
+              </a:xfrm>
+              <a:prstGeom prst="rect">
+                <a:avLst/>
+              </a:prstGeom>
+              <a:noFill/>
+              <a:ln w="25400">
+                <a:noFill/>
+              </a:ln>
+            </p:spPr>
+            <p:txBody>
+              <a:bodyPr wrap="none">
+                <a:spAutoFit/>
+              </a:bodyPr>
+              <a:lstStyle/>
+              <a:p>
+                <a:pPr lvl="0" algn="ctr"/>
+                <a:r>
+                  <a:rPr lang="en-US" sz="660" b="1" dirty="0">
+                    <a:solidFill>
+                      <a:prstClr val="black"/>
+                    </a:solidFill>
+                    <a:latin typeface="Arial" panose="020B0604020202020204" pitchFamily="34" charset="0"/>
+                    <a:cs typeface="Arial" panose="020B0604020202020204" pitchFamily="34" charset="0"/>
+                  </a:rPr>
+                  <a:t>MODERATE RATES</a:t>
+                </a:r>
+              </a:p>
+            </p:txBody>
+          </p:sp>
+        </p:grpSp>
+      </p:grpSp>
+      <p:grpSp>
+        <p:nvGrpSpPr>
+          <p:cNvPr id="130" name="Group 129"/>
+          <p:cNvGrpSpPr/>
+          <p:nvPr/>
+        </p:nvGrpSpPr>
+        <p:grpSpPr>
+          <a:xfrm>
+            <a:off x="2256680" y="1951209"/>
+            <a:ext cx="1709928" cy="2286000"/>
+            <a:chOff x="1600201" y="409826"/>
+            <a:chExt cx="1060704" cy="1508760"/>
+          </a:xfrm>
+        </p:grpSpPr>
+        <p:grpSp>
+          <p:nvGrpSpPr>
+            <p:cNvPr id="131" name="Group 130"/>
+            <p:cNvGrpSpPr/>
+            <p:nvPr/>
+          </p:nvGrpSpPr>
+          <p:grpSpPr>
+            <a:xfrm flipH="1">
+              <a:off x="1600201" y="409826"/>
+              <a:ext cx="1060704" cy="1508760"/>
+              <a:chOff x="1990350" y="409826"/>
+              <a:chExt cx="1125697" cy="1508760"/>
+            </a:xfrm>
+          </p:grpSpPr>
+          <p:grpSp>
+            <p:nvGrpSpPr>
+              <p:cNvPr id="140" name="Group 139"/>
+              <p:cNvGrpSpPr/>
+              <p:nvPr/>
+            </p:nvGrpSpPr>
+            <p:grpSpPr>
+              <a:xfrm>
+                <a:off x="1990350" y="409826"/>
+                <a:ext cx="206725" cy="1508760"/>
+                <a:chOff x="3938584" y="1204912"/>
+                <a:chExt cx="760209" cy="4724400"/>
+              </a:xfrm>
+            </p:grpSpPr>
+            <p:sp>
+              <p:nvSpPr>
+                <p:cNvPr id="142" name="Rectangle 141"/>
+                <p:cNvSpPr/>
+                <p:nvPr/>
+              </p:nvSpPr>
+              <p:spPr>
+                <a:xfrm>
+                  <a:off x="3938584" y="1204912"/>
+                  <a:ext cx="109728" cy="4724400"/>
+                </a:xfrm>
+                <a:prstGeom prst="rect">
+                  <a:avLst/>
+                </a:prstGeom>
+                <a:solidFill>
+                  <a:schemeClr val="tx1"/>
+                </a:solidFill>
+                <a:ln w="12700">
+                  <a:solidFill>
+                    <a:schemeClr val="bg1"/>
+                  </a:solidFill>
+                </a:ln>
+              </p:spPr>
+              <p:style>
+                <a:lnRef idx="2">
+                  <a:schemeClr val="accent1">
+                    <a:shade val="50000"/>
+                  </a:schemeClr>
+                </a:lnRef>
+                <a:fillRef idx="1">
+                  <a:schemeClr val="accent1"/>
+                </a:fillRef>
+                <a:effectRef idx="0">
+                  <a:schemeClr val="accent1"/>
+                </a:effectRef>
+                <a:fontRef idx="minor">
+                  <a:schemeClr val="lt1"/>
+                </a:fontRef>
+              </p:style>
+              <p:txBody>
+                <a:bodyPr rtlCol="0" anchor="ctr"/>
+                <a:lstStyle/>
+                <a:p>
+                  <a:pPr algn="ctr"/>
+                  <a:endParaRPr lang="en-US"/>
+                </a:p>
+              </p:txBody>
+            </p:sp>
+            <p:sp>
+              <p:nvSpPr>
+                <p:cNvPr id="143" name="Rectangle 142"/>
+                <p:cNvSpPr/>
+                <p:nvPr/>
+              </p:nvSpPr>
+              <p:spPr>
+                <a:xfrm>
+                  <a:off x="4589065" y="1204912"/>
+                  <a:ext cx="109728" cy="4724400"/>
+                </a:xfrm>
+                <a:prstGeom prst="rect">
+                  <a:avLst/>
+                </a:prstGeom>
+                <a:solidFill>
+                  <a:schemeClr val="tx1"/>
+                </a:solidFill>
+                <a:ln w="12700">
+                  <a:solidFill>
+                    <a:schemeClr val="bg1"/>
+                  </a:solidFill>
+                </a:ln>
+              </p:spPr>
+              <p:style>
+                <a:lnRef idx="2">
+                  <a:schemeClr val="accent1">
+                    <a:shade val="50000"/>
+                  </a:schemeClr>
+                </a:lnRef>
+                <a:fillRef idx="1">
+                  <a:schemeClr val="accent1"/>
+                </a:fillRef>
+                <a:effectRef idx="0">
+                  <a:schemeClr val="accent1"/>
+                </a:effectRef>
+                <a:fontRef idx="minor">
+                  <a:schemeClr val="lt1"/>
+                </a:fontRef>
+              </p:style>
+              <p:txBody>
+                <a:bodyPr rtlCol="0" anchor="ctr"/>
+                <a:lstStyle/>
+                <a:p>
+                  <a:pPr algn="ctr"/>
+                  <a:endParaRPr lang="en-US"/>
+                </a:p>
+              </p:txBody>
+            </p:sp>
+            <p:sp>
+              <p:nvSpPr>
+                <p:cNvPr id="144" name="Rectangle 143"/>
+                <p:cNvSpPr/>
+                <p:nvPr/>
+              </p:nvSpPr>
+              <p:spPr>
+                <a:xfrm>
+                  <a:off x="4068680" y="1204912"/>
+                  <a:ext cx="109728" cy="4724400"/>
+                </a:xfrm>
+                <a:prstGeom prst="rect">
+                  <a:avLst/>
+                </a:prstGeom>
+                <a:solidFill>
+                  <a:schemeClr val="tx1"/>
+                </a:solidFill>
+                <a:ln w="12700">
+                  <a:solidFill>
+                    <a:schemeClr val="bg1"/>
+                  </a:solidFill>
+                </a:ln>
+              </p:spPr>
+              <p:style>
+                <a:lnRef idx="2">
+                  <a:schemeClr val="accent1">
+                    <a:shade val="50000"/>
+                  </a:schemeClr>
+                </a:lnRef>
+                <a:fillRef idx="1">
+                  <a:schemeClr val="accent1"/>
+                </a:fillRef>
+                <a:effectRef idx="0">
+                  <a:schemeClr val="accent1"/>
+                </a:effectRef>
+                <a:fontRef idx="minor">
+                  <a:schemeClr val="lt1"/>
+                </a:fontRef>
+              </p:style>
+              <p:txBody>
+                <a:bodyPr rtlCol="0" anchor="ctr"/>
+                <a:lstStyle/>
+                <a:p>
+                  <a:pPr algn="ctr"/>
+                  <a:endParaRPr lang="en-US"/>
+                </a:p>
+              </p:txBody>
+            </p:sp>
+            <p:sp>
+              <p:nvSpPr>
+                <p:cNvPr id="145" name="Rectangle 144"/>
+                <p:cNvSpPr/>
+                <p:nvPr/>
+              </p:nvSpPr>
+              <p:spPr>
+                <a:xfrm>
+                  <a:off x="4328872" y="1204912"/>
+                  <a:ext cx="109728" cy="4724400"/>
+                </a:xfrm>
+                <a:prstGeom prst="rect">
+                  <a:avLst/>
+                </a:prstGeom>
+                <a:solidFill>
+                  <a:schemeClr val="tx1"/>
+                </a:solidFill>
+                <a:ln w="12700">
+                  <a:solidFill>
+                    <a:schemeClr val="bg1"/>
+                  </a:solidFill>
+                </a:ln>
+              </p:spPr>
+              <p:style>
+                <a:lnRef idx="2">
+                  <a:schemeClr val="accent1">
+                    <a:shade val="50000"/>
+                  </a:schemeClr>
+                </a:lnRef>
+                <a:fillRef idx="1">
+                  <a:schemeClr val="accent1"/>
+                </a:fillRef>
+                <a:effectRef idx="0">
+                  <a:schemeClr val="accent1"/>
+                </a:effectRef>
+                <a:fontRef idx="minor">
+                  <a:schemeClr val="lt1"/>
+                </a:fontRef>
+              </p:style>
+              <p:txBody>
+                <a:bodyPr rtlCol="0" anchor="ctr"/>
+                <a:lstStyle/>
+                <a:p>
+                  <a:pPr algn="ctr"/>
+                  <a:endParaRPr lang="en-US"/>
+                </a:p>
+              </p:txBody>
+            </p:sp>
+            <p:sp>
+              <p:nvSpPr>
+                <p:cNvPr id="146" name="Rectangle 145"/>
+                <p:cNvSpPr/>
+                <p:nvPr/>
+              </p:nvSpPr>
+              <p:spPr>
+                <a:xfrm>
+                  <a:off x="4198776" y="1204912"/>
+                  <a:ext cx="109728" cy="4724400"/>
+                </a:xfrm>
+                <a:prstGeom prst="rect">
+                  <a:avLst/>
+                </a:prstGeom>
+                <a:solidFill>
+                  <a:schemeClr val="tx1"/>
+                </a:solidFill>
+                <a:ln w="12700">
+                  <a:solidFill>
+                    <a:schemeClr val="bg1"/>
+                  </a:solidFill>
+                </a:ln>
+              </p:spPr>
+              <p:style>
+                <a:lnRef idx="2">
+                  <a:schemeClr val="accent1">
+                    <a:shade val="50000"/>
+                  </a:schemeClr>
+                </a:lnRef>
+                <a:fillRef idx="1">
+                  <a:schemeClr val="accent1"/>
+                </a:fillRef>
+                <a:effectRef idx="0">
+                  <a:schemeClr val="accent1"/>
+                </a:effectRef>
+                <a:fontRef idx="minor">
+                  <a:schemeClr val="lt1"/>
+                </a:fontRef>
+              </p:style>
+              <p:txBody>
+                <a:bodyPr rtlCol="0" anchor="ctr"/>
+                <a:lstStyle/>
+                <a:p>
+                  <a:pPr algn="ctr"/>
+                  <a:endParaRPr lang="en-US"/>
+                </a:p>
+              </p:txBody>
+            </p:sp>
+            <p:sp>
+              <p:nvSpPr>
+                <p:cNvPr id="147" name="Rectangle 146"/>
+                <p:cNvSpPr/>
+                <p:nvPr/>
+              </p:nvSpPr>
+              <p:spPr>
+                <a:xfrm>
+                  <a:off x="4458967" y="1204912"/>
+                  <a:ext cx="109728" cy="4724400"/>
+                </a:xfrm>
+                <a:prstGeom prst="rect">
+                  <a:avLst/>
+                </a:prstGeom>
+                <a:solidFill>
+                  <a:schemeClr val="tx1"/>
+                </a:solidFill>
+                <a:ln w="12700">
+                  <a:solidFill>
+                    <a:schemeClr val="bg1"/>
+                  </a:solidFill>
+                </a:ln>
+              </p:spPr>
+              <p:style>
+                <a:lnRef idx="2">
+                  <a:schemeClr val="accent1">
+                    <a:shade val="50000"/>
+                  </a:schemeClr>
+                </a:lnRef>
+                <a:fillRef idx="1">
+                  <a:schemeClr val="accent1"/>
+                </a:fillRef>
+                <a:effectRef idx="0">
+                  <a:schemeClr val="accent1"/>
+                </a:effectRef>
+                <a:fontRef idx="minor">
+                  <a:schemeClr val="lt1"/>
+                </a:fontRef>
+              </p:style>
+              <p:txBody>
+                <a:bodyPr rtlCol="0" anchor="ctr"/>
+                <a:lstStyle/>
+                <a:p>
+                  <a:pPr algn="ctr"/>
+                  <a:endParaRPr lang="en-US"/>
+                </a:p>
+              </p:txBody>
+            </p:sp>
+          </p:grpSp>
+          <p:sp>
+            <p:nvSpPr>
+              <p:cNvPr id="141" name="Trapezoid 4"/>
+              <p:cNvSpPr/>
+              <p:nvPr/>
+            </p:nvSpPr>
+            <p:spPr>
+              <a:xfrm>
+                <a:off x="2055566" y="436684"/>
+                <a:ext cx="1060481" cy="453275"/>
+              </a:xfrm>
+              <a:custGeom>
+                <a:avLst/>
+                <a:gdLst>
+                  <a:gd name="connsiteX0" fmla="*/ 0 w 1828800"/>
+                  <a:gd name="connsiteY0" fmla="*/ 1066800 h 1066800"/>
+                  <a:gd name="connsiteX1" fmla="*/ 266700 w 1828800"/>
+                  <a:gd name="connsiteY1" fmla="*/ 0 h 1066800"/>
+                  <a:gd name="connsiteX2" fmla="*/ 1562100 w 1828800"/>
+                  <a:gd name="connsiteY2" fmla="*/ 0 h 1066800"/>
+                  <a:gd name="connsiteX3" fmla="*/ 1828800 w 1828800"/>
+                  <a:gd name="connsiteY3" fmla="*/ 1066800 h 1066800"/>
+                  <a:gd name="connsiteX4" fmla="*/ 0 w 1828800"/>
+                  <a:gd name="connsiteY4" fmla="*/ 1066800 h 1066800"/>
+                  <a:gd name="connsiteX0" fmla="*/ 2847975 w 4676775"/>
+                  <a:gd name="connsiteY0" fmla="*/ 4167187 h 4167187"/>
+                  <a:gd name="connsiteX1" fmla="*/ 0 w 4676775"/>
+                  <a:gd name="connsiteY1" fmla="*/ 0 h 4167187"/>
+                  <a:gd name="connsiteX2" fmla="*/ 4410075 w 4676775"/>
+                  <a:gd name="connsiteY2" fmla="*/ 3100387 h 4167187"/>
+                  <a:gd name="connsiteX3" fmla="*/ 4676775 w 4676775"/>
+                  <a:gd name="connsiteY3" fmla="*/ 4167187 h 4167187"/>
+                  <a:gd name="connsiteX4" fmla="*/ 2847975 w 4676775"/>
+                  <a:gd name="connsiteY4" fmla="*/ 4167187 h 4167187"/>
+                  <a:gd name="connsiteX0" fmla="*/ 2847975 w 4676775"/>
+                  <a:gd name="connsiteY0" fmla="*/ 4381500 h 4381500"/>
+                  <a:gd name="connsiteX1" fmla="*/ 0 w 4676775"/>
+                  <a:gd name="connsiteY1" fmla="*/ 214313 h 4381500"/>
+                  <a:gd name="connsiteX2" fmla="*/ 3838575 w 4676775"/>
+                  <a:gd name="connsiteY2" fmla="*/ 0 h 4381500"/>
+                  <a:gd name="connsiteX3" fmla="*/ 4676775 w 4676775"/>
+                  <a:gd name="connsiteY3" fmla="*/ 4381500 h 4381500"/>
+                  <a:gd name="connsiteX4" fmla="*/ 2847975 w 4676775"/>
+                  <a:gd name="connsiteY4" fmla="*/ 4381500 h 4381500"/>
+                  <a:gd name="connsiteX0" fmla="*/ 204787 w 4676775"/>
+                  <a:gd name="connsiteY0" fmla="*/ 1652587 h 4381500"/>
+                  <a:gd name="connsiteX1" fmla="*/ 0 w 4676775"/>
+                  <a:gd name="connsiteY1" fmla="*/ 214313 h 4381500"/>
+                  <a:gd name="connsiteX2" fmla="*/ 3838575 w 4676775"/>
+                  <a:gd name="connsiteY2" fmla="*/ 0 h 4381500"/>
+                  <a:gd name="connsiteX3" fmla="*/ 4676775 w 4676775"/>
+                  <a:gd name="connsiteY3" fmla="*/ 4381500 h 4381500"/>
+                  <a:gd name="connsiteX4" fmla="*/ 204787 w 4676775"/>
+                  <a:gd name="connsiteY4" fmla="*/ 1652587 h 4381500"/>
+                  <a:gd name="connsiteX0" fmla="*/ 204787 w 3838575"/>
+                  <a:gd name="connsiteY0" fmla="*/ 1652587 h 1652587"/>
+                  <a:gd name="connsiteX1" fmla="*/ 0 w 3838575"/>
+                  <a:gd name="connsiteY1" fmla="*/ 214313 h 1652587"/>
+                  <a:gd name="connsiteX2" fmla="*/ 3838575 w 3838575"/>
+                  <a:gd name="connsiteY2" fmla="*/ 0 h 1652587"/>
+                  <a:gd name="connsiteX3" fmla="*/ 3462338 w 3838575"/>
+                  <a:gd name="connsiteY3" fmla="*/ 1309687 h 1652587"/>
+                  <a:gd name="connsiteX4" fmla="*/ 204787 w 3838575"/>
+                  <a:gd name="connsiteY4" fmla="*/ 1652587 h 1652587"/>
+                  <a:gd name="connsiteX0" fmla="*/ 204787 w 3838575"/>
+                  <a:gd name="connsiteY0" fmla="*/ 1652587 h 1666874"/>
+                  <a:gd name="connsiteX1" fmla="*/ 0 w 3838575"/>
+                  <a:gd name="connsiteY1" fmla="*/ 214313 h 1666874"/>
+                  <a:gd name="connsiteX2" fmla="*/ 3838575 w 3838575"/>
+                  <a:gd name="connsiteY2" fmla="*/ 0 h 1666874"/>
+                  <a:gd name="connsiteX3" fmla="*/ 3433763 w 3838575"/>
+                  <a:gd name="connsiteY3" fmla="*/ 1666874 h 1666874"/>
+                  <a:gd name="connsiteX4" fmla="*/ 204787 w 3838575"/>
+                  <a:gd name="connsiteY4" fmla="*/ 1652587 h 1666874"/>
+                </a:gdLst>
+                <a:ahLst/>
+                <a:cxnLst>
+                  <a:cxn ang="0">
+                    <a:pos x="connsiteX0" y="connsiteY0"/>
+                  </a:cxn>
+                  <a:cxn ang="0">
+                    <a:pos x="connsiteX1" y="connsiteY1"/>
+                  </a:cxn>
+                  <a:cxn ang="0">
+                    <a:pos x="connsiteX2" y="connsiteY2"/>
+                  </a:cxn>
+                  <a:cxn ang="0">
+                    <a:pos x="connsiteX3" y="connsiteY3"/>
+                  </a:cxn>
+                  <a:cxn ang="0">
+                    <a:pos x="connsiteX4" y="connsiteY4"/>
+                  </a:cxn>
+                </a:cxnLst>
+                <a:rect l="l" t="t" r="r" b="b"/>
+                <a:pathLst>
+                  <a:path w="3838575" h="1666874">
+                    <a:moveTo>
+                      <a:pt x="204787" y="1652587"/>
+                    </a:moveTo>
+                    <a:lnTo>
+                      <a:pt x="0" y="214313"/>
+                    </a:lnTo>
+                    <a:lnTo>
+                      <a:pt x="3838575" y="0"/>
+                    </a:lnTo>
+                    <a:lnTo>
+                      <a:pt x="3433763" y="1666874"/>
+                    </a:lnTo>
+                    <a:lnTo>
+                      <a:pt x="204787" y="1652587"/>
+                    </a:lnTo>
+                    <a:close/>
+                  </a:path>
+                </a:pathLst>
+              </a:custGeom>
+              <a:solidFill>
+                <a:srgbClr val="E99BB5"/>
+              </a:solidFill>
+              <a:ln w="15875">
+                <a:solidFill>
+                  <a:schemeClr val="tx1"/>
+                </a:solidFill>
+              </a:ln>
+            </p:spPr>
+            <p:style>
+              <a:lnRef idx="2">
+                <a:schemeClr val="accent1">
+                  <a:shade val="50000"/>
+                </a:schemeClr>
+              </a:lnRef>
+              <a:fillRef idx="1">
+                <a:schemeClr val="accent1"/>
+              </a:fillRef>
+              <a:effectRef idx="0">
+                <a:schemeClr val="accent1"/>
+              </a:effectRef>
+              <a:fontRef idx="minor">
+                <a:schemeClr val="lt1"/>
+              </a:fontRef>
+            </p:style>
+            <p:txBody>
+              <a:bodyPr rtlCol="0" anchor="ctr"/>
+              <a:lstStyle/>
+              <a:p>
+                <a:pPr algn="ctr"/>
+                <a:endParaRPr lang="en-US"/>
+              </a:p>
+            </p:txBody>
+          </p:sp>
+        </p:grpSp>
+        <p:pic>
+          <p:nvPicPr>
+            <p:cNvPr id="132" name="Picture 131"/>
+            <p:cNvPicPr>
+              <a:picLocks noChangeAspect="1"/>
+            </p:cNvPicPr>
+            <p:nvPr/>
+          </p:nvPicPr>
+          <p:blipFill>
+            <a:blip r:embed="rId2" cstate="print">
+              <a:extLst>
+                <a:ext uri="{28A0092B-C50C-407E-A947-70E740481C1C}">
+                  <a14:useLocalDpi xmlns:a14="http://schemas.microsoft.com/office/drawing/2010/main" val="0"/>
+                </a:ext>
+              </a:extLst>
+            </a:blip>
+            <a:stretch>
+              <a:fillRect/>
+            </a:stretch>
+          </p:blipFill>
+          <p:spPr>
+            <a:xfrm>
+              <a:off x="1642779" y="474784"/>
+              <a:ext cx="946697" cy="396158"/>
+            </a:xfrm>
+            <a:prstGeom prst="rect">
+              <a:avLst/>
+            </a:prstGeom>
+          </p:spPr>
+        </p:pic>
+        <p:grpSp>
+          <p:nvGrpSpPr>
+            <p:cNvPr id="133" name="Group 132"/>
+            <p:cNvGrpSpPr/>
+            <p:nvPr/>
+          </p:nvGrpSpPr>
+          <p:grpSpPr>
+            <a:xfrm>
+              <a:off x="1900737" y="929421"/>
+              <a:ext cx="631651" cy="129613"/>
+              <a:chOff x="447566" y="929421"/>
+              <a:chExt cx="631651" cy="129613"/>
+            </a:xfrm>
+          </p:grpSpPr>
+          <p:sp>
+            <p:nvSpPr>
+              <p:cNvPr id="138" name="Flowchart: Terminator 137"/>
+              <p:cNvSpPr/>
+              <p:nvPr/>
+            </p:nvSpPr>
+            <p:spPr>
+              <a:xfrm>
+                <a:off x="447566" y="934707"/>
+                <a:ext cx="631651" cy="124327"/>
+              </a:xfrm>
+              <a:prstGeom prst="flowChartTerminator">
+                <a:avLst/>
+              </a:prstGeom>
+              <a:solidFill>
+                <a:schemeClr val="bg1"/>
+              </a:solidFill>
+              <a:ln>
+                <a:solidFill>
+                  <a:schemeClr val="tx1"/>
+                </a:solidFill>
+              </a:ln>
+            </p:spPr>
+            <p:style>
+              <a:lnRef idx="2">
+                <a:schemeClr val="accent1">
+                  <a:shade val="50000"/>
+                </a:schemeClr>
+              </a:lnRef>
+              <a:fillRef idx="1">
+                <a:schemeClr val="accent1"/>
+              </a:fillRef>
+              <a:effectRef idx="0">
+                <a:schemeClr val="accent1"/>
+              </a:effectRef>
+              <a:fontRef idx="minor">
+                <a:schemeClr val="lt1"/>
+              </a:fontRef>
+            </p:style>
+            <p:txBody>
+              <a:bodyPr rtlCol="0" anchor="ctr"/>
+              <a:lstStyle/>
+              <a:p>
+                <a:pPr algn="ctr"/>
+                <a:endParaRPr lang="en-US" dirty="0"/>
+              </a:p>
+            </p:txBody>
+          </p:sp>
+          <p:sp>
+            <p:nvSpPr>
+              <p:cNvPr id="139" name="Rectangle 138"/>
+              <p:cNvSpPr/>
+              <p:nvPr/>
+            </p:nvSpPr>
+            <p:spPr>
+              <a:xfrm>
+                <a:off x="457549" y="929421"/>
+                <a:ext cx="605774" cy="127973"/>
+              </a:xfrm>
+              <a:prstGeom prst="rect">
+                <a:avLst/>
+              </a:prstGeom>
+              <a:noFill/>
+              <a:ln w="25400">
+                <a:noFill/>
+              </a:ln>
+            </p:spPr>
+            <p:txBody>
+              <a:bodyPr wrap="none">
+                <a:spAutoFit/>
+              </a:bodyPr>
+              <a:lstStyle/>
+              <a:p>
+                <a:pPr lvl="0" algn="ctr"/>
+                <a:r>
+                  <a:rPr lang="en-US" sz="660" b="1" dirty="0">
+                    <a:solidFill>
+                      <a:prstClr val="black"/>
+                    </a:solidFill>
+                    <a:latin typeface="Arial" panose="020B0604020202020204" pitchFamily="34" charset="0"/>
+                    <a:cs typeface="Arial" panose="020B0604020202020204" pitchFamily="34" charset="0"/>
+                  </a:rPr>
+                  <a:t>MODERATE RATES</a:t>
+                </a:r>
+              </a:p>
+            </p:txBody>
+          </p:sp>
+        </p:grpSp>
+        <p:grpSp>
+          <p:nvGrpSpPr>
+            <p:cNvPr id="134" name="Group 133"/>
+            <p:cNvGrpSpPr/>
+            <p:nvPr/>
+          </p:nvGrpSpPr>
+          <p:grpSpPr>
+            <a:xfrm>
+              <a:off x="1873959" y="1159402"/>
+              <a:ext cx="615509" cy="259045"/>
+              <a:chOff x="501549" y="1159402"/>
+              <a:chExt cx="615509" cy="259045"/>
+            </a:xfrm>
+          </p:grpSpPr>
+          <p:sp>
+            <p:nvSpPr>
+              <p:cNvPr id="135" name="TextBox 134"/>
+              <p:cNvSpPr txBox="1"/>
+              <p:nvPr/>
+            </p:nvSpPr>
+            <p:spPr>
+              <a:xfrm>
+                <a:off x="516982" y="1159402"/>
+                <a:ext cx="590552" cy="259045"/>
+              </a:xfrm>
+              <a:prstGeom prst="rect">
+                <a:avLst/>
+              </a:prstGeom>
+              <a:solidFill>
+                <a:schemeClr val="bg1"/>
+              </a:solidFill>
+              <a:ln w="25400">
+                <a:solidFill>
+                  <a:schemeClr val="tx1"/>
+                </a:solidFill>
+              </a:ln>
+            </p:spPr>
+            <p:txBody>
+              <a:bodyPr wrap="square" rtlCol="0">
+                <a:spAutoFit/>
+              </a:bodyPr>
+              <a:lstStyle/>
+              <a:p>
+                <a:pPr algn="ctr">
+                  <a:lnSpc>
+                    <a:spcPts val="50"/>
+                  </a:lnSpc>
+                  <a:spcBef>
+                    <a:spcPts val="500"/>
+                  </a:spcBef>
+                </a:pPr>
+                <a:endParaRPr lang="en-US" sz="440" dirty="0" smtClean="0">
+                  <a:latin typeface="Arial" panose="020B0604020202020204" pitchFamily="34" charset="0"/>
+                  <a:cs typeface="Arial" panose="020B0604020202020204" pitchFamily="34" charset="0"/>
+                </a:endParaRPr>
+              </a:p>
+              <a:p>
+                <a:pPr algn="ctr">
+                  <a:lnSpc>
+                    <a:spcPts val="50"/>
+                  </a:lnSpc>
+                  <a:spcBef>
+                    <a:spcPts val="500"/>
+                  </a:spcBef>
+                </a:pPr>
+                <a:endParaRPr lang="en-US" sz="440" dirty="0">
+                  <a:latin typeface="Arial" panose="020B0604020202020204" pitchFamily="34" charset="0"/>
+                  <a:cs typeface="Arial" panose="020B0604020202020204" pitchFamily="34" charset="0"/>
+                </a:endParaRPr>
+              </a:p>
+              <a:p>
+                <a:pPr algn="ctr">
+                  <a:lnSpc>
+                    <a:spcPts val="50"/>
+                  </a:lnSpc>
+                  <a:spcBef>
+                    <a:spcPts val="500"/>
+                  </a:spcBef>
+                </a:pPr>
+                <a:endParaRPr lang="en-US" sz="440" dirty="0">
+                  <a:latin typeface="Arial" panose="020B0604020202020204" pitchFamily="34" charset="0"/>
+                  <a:cs typeface="Arial" panose="020B0604020202020204" pitchFamily="34" charset="0"/>
+                </a:endParaRPr>
+              </a:p>
+            </p:txBody>
+          </p:sp>
+          <p:sp>
+            <p:nvSpPr>
+              <p:cNvPr id="136" name="TextBox 135"/>
+              <p:cNvSpPr txBox="1"/>
+              <p:nvPr/>
+            </p:nvSpPr>
+            <p:spPr>
+              <a:xfrm>
+                <a:off x="501549" y="1175118"/>
+                <a:ext cx="609600" cy="127973"/>
+              </a:xfrm>
+              <a:prstGeom prst="rect">
+                <a:avLst/>
+              </a:prstGeom>
+              <a:noFill/>
+            </p:spPr>
+            <p:txBody>
+              <a:bodyPr wrap="square" rtlCol="0">
+                <a:spAutoFit/>
+              </a:bodyPr>
+              <a:lstStyle/>
+              <a:p>
+                <a:pPr algn="ctr"/>
+                <a:r>
+                  <a:rPr lang="en-US" sz="660" b="1" dirty="0" smtClean="0">
+                    <a:latin typeface="Arial" panose="020B0604020202020204" pitchFamily="34" charset="0"/>
+                    <a:cs typeface="Arial" panose="020B0604020202020204" pitchFamily="34" charset="0"/>
+                  </a:rPr>
+                  <a:t>COLOR TV</a:t>
+                </a:r>
+                <a:endParaRPr lang="en-US" sz="660" b="1" dirty="0">
+                  <a:latin typeface="Arial" panose="020B0604020202020204" pitchFamily="34" charset="0"/>
+                  <a:cs typeface="Arial" panose="020B0604020202020204" pitchFamily="34" charset="0"/>
+                </a:endParaRPr>
+              </a:p>
+            </p:txBody>
+          </p:sp>
+          <p:sp>
+            <p:nvSpPr>
+              <p:cNvPr id="137" name="TextBox 136"/>
+              <p:cNvSpPr txBox="1"/>
+              <p:nvPr/>
+            </p:nvSpPr>
+            <p:spPr>
+              <a:xfrm>
+                <a:off x="507458" y="1255911"/>
+                <a:ext cx="609600" cy="127973"/>
+              </a:xfrm>
+              <a:prstGeom prst="rect">
+                <a:avLst/>
+              </a:prstGeom>
+              <a:noFill/>
+            </p:spPr>
+            <p:txBody>
+              <a:bodyPr wrap="square" rtlCol="0">
+                <a:spAutoFit/>
+              </a:bodyPr>
+              <a:lstStyle/>
+              <a:p>
+                <a:pPr algn="ctr"/>
+                <a:r>
+                  <a:rPr lang="en-US" sz="660" b="1" dirty="0" smtClean="0">
+                    <a:latin typeface="Arial" panose="020B0604020202020204" pitchFamily="34" charset="0"/>
+                    <a:cs typeface="Arial" panose="020B0604020202020204" pitchFamily="34" charset="0"/>
+                  </a:rPr>
+                  <a:t>ROOM PHONE</a:t>
+                </a:r>
+                <a:endParaRPr lang="en-US" sz="660" b="1" dirty="0">
+                  <a:latin typeface="Arial" panose="020B0604020202020204" pitchFamily="34" charset="0"/>
+                  <a:cs typeface="Arial" panose="020B0604020202020204" pitchFamily="34" charset="0"/>
+                </a:endParaRPr>
+              </a:p>
+            </p:txBody>
+          </p:sp>
+        </p:grpSp>
+      </p:grpSp>
     </p:spTree>
     <p:extLst>
       <p:ext uri="{BB962C8B-B14F-4D97-AF65-F5344CB8AC3E}">
